--- a/2022/June_Batch/5Javascript/others/new-version/4javascript - JS-Math.pptx
+++ b/2022/June_Batch/5Javascript/others/new-version/4javascript - JS-Math.pptx
@@ -19,6 +19,7 @@
     <p:sldId id="300" r:id="rId13"/>
     <p:sldId id="301" r:id="rId14"/>
     <p:sldId id="302" r:id="rId15"/>
+    <p:sldId id="303" r:id="rId16"/>
   </p:sldIdLst>
   <p:sldSz cx="12192000" cy="6858000"/>
   <p:notesSz cx="6858000" cy="9144000"/>
@@ -119,7 +120,7 @@
   </p:defaultTextStyle>
   <p:extLst>
     <p:ext uri="{EFAFB233-063F-42B5-8137-9DF3F51BA10A}">
-      <p15:sldGuideLst xmlns:p15="http://schemas.microsoft.com/office/powerpoint/2012/main" xmlns="">
+      <p15:sldGuideLst xmlns="" xmlns:p15="http://schemas.microsoft.com/office/powerpoint/2012/main">
         <p15:guide id="1" orient="horz" pos="2160">
           <p15:clr>
             <a:srgbClr val="A4A3A4"/>
@@ -268,7 +269,7 @@
             <a:fld id="{7FCC5AE5-E495-4913-B643-A95A6AFABB00}" type="datetimeFigureOut">
               <a:rPr kumimoji="1" lang="ja-JP" altLang="en-US" smtClean="0"/>
               <a:pPr/>
-              <a:t>2022/8/1</a:t>
+              <a:t>2022/8/4</a:t>
             </a:fld>
             <a:endParaRPr kumimoji="1" lang="ja-JP" altLang="en-US"/>
           </a:p>
@@ -320,7 +321,7 @@
     </p:spTree>
     <p:extLst>
       <p:ext uri="{BB962C8B-B14F-4D97-AF65-F5344CB8AC3E}">
-        <p14:creationId xmlns:p14="http://schemas.microsoft.com/office/powerpoint/2010/main" xmlns="" val="3096064434"/>
+        <p14:creationId xmlns="" xmlns:p14="http://schemas.microsoft.com/office/powerpoint/2010/main" val="3096064434"/>
       </p:ext>
     </p:extLst>
   </p:cSld>
@@ -440,7 +441,7 @@
             <a:fld id="{7FCC5AE5-E495-4913-B643-A95A6AFABB00}" type="datetimeFigureOut">
               <a:rPr kumimoji="1" lang="ja-JP" altLang="en-US" smtClean="0"/>
               <a:pPr/>
-              <a:t>2022/8/1</a:t>
+              <a:t>2022/8/4</a:t>
             </a:fld>
             <a:endParaRPr kumimoji="1" lang="ja-JP" altLang="en-US"/>
           </a:p>
@@ -492,7 +493,7 @@
     </p:spTree>
     <p:extLst>
       <p:ext uri="{BB962C8B-B14F-4D97-AF65-F5344CB8AC3E}">
-        <p14:creationId xmlns:p14="http://schemas.microsoft.com/office/powerpoint/2010/main" xmlns="" val="71407721"/>
+        <p14:creationId xmlns="" xmlns:p14="http://schemas.microsoft.com/office/powerpoint/2010/main" val="71407721"/>
       </p:ext>
     </p:extLst>
   </p:cSld>
@@ -622,7 +623,7 @@
             <a:fld id="{7FCC5AE5-E495-4913-B643-A95A6AFABB00}" type="datetimeFigureOut">
               <a:rPr kumimoji="1" lang="ja-JP" altLang="en-US" smtClean="0"/>
               <a:pPr/>
-              <a:t>2022/8/1</a:t>
+              <a:t>2022/8/4</a:t>
             </a:fld>
             <a:endParaRPr kumimoji="1" lang="ja-JP" altLang="en-US"/>
           </a:p>
@@ -674,7 +675,7 @@
     </p:spTree>
     <p:extLst>
       <p:ext uri="{BB962C8B-B14F-4D97-AF65-F5344CB8AC3E}">
-        <p14:creationId xmlns:p14="http://schemas.microsoft.com/office/powerpoint/2010/main" xmlns="" val="3852493858"/>
+        <p14:creationId xmlns="" xmlns:p14="http://schemas.microsoft.com/office/powerpoint/2010/main" val="3852493858"/>
       </p:ext>
     </p:extLst>
   </p:cSld>
@@ -794,7 +795,7 @@
             <a:fld id="{7FCC5AE5-E495-4913-B643-A95A6AFABB00}" type="datetimeFigureOut">
               <a:rPr kumimoji="1" lang="ja-JP" altLang="en-US" smtClean="0"/>
               <a:pPr/>
-              <a:t>2022/8/1</a:t>
+              <a:t>2022/8/4</a:t>
             </a:fld>
             <a:endParaRPr kumimoji="1" lang="ja-JP" altLang="en-US"/>
           </a:p>
@@ -846,7 +847,7 @@
     </p:spTree>
     <p:extLst>
       <p:ext uri="{BB962C8B-B14F-4D97-AF65-F5344CB8AC3E}">
-        <p14:creationId xmlns:p14="http://schemas.microsoft.com/office/powerpoint/2010/main" xmlns="" val="282795843"/>
+        <p14:creationId xmlns="" xmlns:p14="http://schemas.microsoft.com/office/powerpoint/2010/main" val="282795843"/>
       </p:ext>
     </p:extLst>
   </p:cSld>
@@ -1042,7 +1043,7 @@
             <a:fld id="{7FCC5AE5-E495-4913-B643-A95A6AFABB00}" type="datetimeFigureOut">
               <a:rPr kumimoji="1" lang="ja-JP" altLang="en-US" smtClean="0"/>
               <a:pPr/>
-              <a:t>2022/8/1</a:t>
+              <a:t>2022/8/4</a:t>
             </a:fld>
             <a:endParaRPr kumimoji="1" lang="ja-JP" altLang="en-US"/>
           </a:p>
@@ -1094,7 +1095,7 @@
     </p:spTree>
     <p:extLst>
       <p:ext uri="{BB962C8B-B14F-4D97-AF65-F5344CB8AC3E}">
-        <p14:creationId xmlns:p14="http://schemas.microsoft.com/office/powerpoint/2010/main" xmlns="" val="1315004973"/>
+        <p14:creationId xmlns="" xmlns:p14="http://schemas.microsoft.com/office/powerpoint/2010/main" val="1315004973"/>
       </p:ext>
     </p:extLst>
   </p:cSld>
@@ -1276,7 +1277,7 @@
             <a:fld id="{7FCC5AE5-E495-4913-B643-A95A6AFABB00}" type="datetimeFigureOut">
               <a:rPr kumimoji="1" lang="ja-JP" altLang="en-US" smtClean="0"/>
               <a:pPr/>
-              <a:t>2022/8/1</a:t>
+              <a:t>2022/8/4</a:t>
             </a:fld>
             <a:endParaRPr kumimoji="1" lang="ja-JP" altLang="en-US"/>
           </a:p>
@@ -1328,7 +1329,7 @@
     </p:spTree>
     <p:extLst>
       <p:ext uri="{BB962C8B-B14F-4D97-AF65-F5344CB8AC3E}">
-        <p14:creationId xmlns:p14="http://schemas.microsoft.com/office/powerpoint/2010/main" xmlns="" val="3048296005"/>
+        <p14:creationId xmlns="" xmlns:p14="http://schemas.microsoft.com/office/powerpoint/2010/main" val="3048296005"/>
       </p:ext>
     </p:extLst>
   </p:cSld>
@@ -1645,7 +1646,7 @@
             <a:fld id="{7FCC5AE5-E495-4913-B643-A95A6AFABB00}" type="datetimeFigureOut">
               <a:rPr kumimoji="1" lang="ja-JP" altLang="en-US" smtClean="0"/>
               <a:pPr/>
-              <a:t>2022/8/1</a:t>
+              <a:t>2022/8/4</a:t>
             </a:fld>
             <a:endParaRPr kumimoji="1" lang="ja-JP" altLang="en-US"/>
           </a:p>
@@ -1697,7 +1698,7 @@
     </p:spTree>
     <p:extLst>
       <p:ext uri="{BB962C8B-B14F-4D97-AF65-F5344CB8AC3E}">
-        <p14:creationId xmlns:p14="http://schemas.microsoft.com/office/powerpoint/2010/main" xmlns="" val="890299385"/>
+        <p14:creationId xmlns="" xmlns:p14="http://schemas.microsoft.com/office/powerpoint/2010/main" val="890299385"/>
       </p:ext>
     </p:extLst>
   </p:cSld>
@@ -1765,7 +1766,7 @@
             <a:fld id="{7FCC5AE5-E495-4913-B643-A95A6AFABB00}" type="datetimeFigureOut">
               <a:rPr kumimoji="1" lang="ja-JP" altLang="en-US" smtClean="0"/>
               <a:pPr/>
-              <a:t>2022/8/1</a:t>
+              <a:t>2022/8/4</a:t>
             </a:fld>
             <a:endParaRPr kumimoji="1" lang="ja-JP" altLang="en-US"/>
           </a:p>
@@ -1817,7 +1818,7 @@
     </p:spTree>
     <p:extLst>
       <p:ext uri="{BB962C8B-B14F-4D97-AF65-F5344CB8AC3E}">
-        <p14:creationId xmlns:p14="http://schemas.microsoft.com/office/powerpoint/2010/main" xmlns="" val="2049573599"/>
+        <p14:creationId xmlns="" xmlns:p14="http://schemas.microsoft.com/office/powerpoint/2010/main" val="2049573599"/>
       </p:ext>
     </p:extLst>
   </p:cSld>
@@ -1862,7 +1863,7 @@
             <a:fld id="{7FCC5AE5-E495-4913-B643-A95A6AFABB00}" type="datetimeFigureOut">
               <a:rPr kumimoji="1" lang="ja-JP" altLang="en-US" smtClean="0"/>
               <a:pPr/>
-              <a:t>2022/8/1</a:t>
+              <a:t>2022/8/4</a:t>
             </a:fld>
             <a:endParaRPr kumimoji="1" lang="ja-JP" altLang="en-US"/>
           </a:p>
@@ -1914,7 +1915,7 @@
     </p:spTree>
     <p:extLst>
       <p:ext uri="{BB962C8B-B14F-4D97-AF65-F5344CB8AC3E}">
-        <p14:creationId xmlns:p14="http://schemas.microsoft.com/office/powerpoint/2010/main" xmlns="" val="1896888541"/>
+        <p14:creationId xmlns="" xmlns:p14="http://schemas.microsoft.com/office/powerpoint/2010/main" val="1896888541"/>
       </p:ext>
     </p:extLst>
   </p:cSld>
@@ -2141,7 +2142,7 @@
             <a:fld id="{7FCC5AE5-E495-4913-B643-A95A6AFABB00}" type="datetimeFigureOut">
               <a:rPr kumimoji="1" lang="ja-JP" altLang="en-US" smtClean="0"/>
               <a:pPr/>
-              <a:t>2022/8/1</a:t>
+              <a:t>2022/8/4</a:t>
             </a:fld>
             <a:endParaRPr kumimoji="1" lang="ja-JP" altLang="en-US"/>
           </a:p>
@@ -2193,7 +2194,7 @@
     </p:spTree>
     <p:extLst>
       <p:ext uri="{BB962C8B-B14F-4D97-AF65-F5344CB8AC3E}">
-        <p14:creationId xmlns:p14="http://schemas.microsoft.com/office/powerpoint/2010/main" xmlns="" val="1581260034"/>
+        <p14:creationId xmlns="" xmlns:p14="http://schemas.microsoft.com/office/powerpoint/2010/main" val="1581260034"/>
       </p:ext>
     </p:extLst>
   </p:cSld>
@@ -2400,7 +2401,7 @@
             <a:fld id="{7FCC5AE5-E495-4913-B643-A95A6AFABB00}" type="datetimeFigureOut">
               <a:rPr kumimoji="1" lang="ja-JP" altLang="en-US" smtClean="0"/>
               <a:pPr/>
-              <a:t>2022/8/1</a:t>
+              <a:t>2022/8/4</a:t>
             </a:fld>
             <a:endParaRPr kumimoji="1" lang="ja-JP" altLang="en-US"/>
           </a:p>
@@ -2452,7 +2453,7 @@
     </p:spTree>
     <p:extLst>
       <p:ext uri="{BB962C8B-B14F-4D97-AF65-F5344CB8AC3E}">
-        <p14:creationId xmlns:p14="http://schemas.microsoft.com/office/powerpoint/2010/main" xmlns="" val="2397771766"/>
+        <p14:creationId xmlns="" xmlns:p14="http://schemas.microsoft.com/office/powerpoint/2010/main" val="2397771766"/>
       </p:ext>
     </p:extLst>
   </p:cSld>
@@ -2615,7 +2616,7 @@
             <a:fld id="{7FCC5AE5-E495-4913-B643-A95A6AFABB00}" type="datetimeFigureOut">
               <a:rPr kumimoji="1" lang="ja-JP" altLang="en-US" smtClean="0"/>
               <a:pPr/>
-              <a:t>2022/8/1</a:t>
+              <a:t>2022/8/4</a:t>
             </a:fld>
             <a:endParaRPr kumimoji="1" lang="ja-JP" altLang="en-US"/>
           </a:p>
@@ -2705,7 +2706,7 @@
           <p:cNvPr id="7" name="TextBox 6">
             <a:extLst>
               <a:ext uri="{FF2B5EF4-FFF2-40B4-BE49-F238E27FC236}">
-                <a16:creationId xmlns:a16="http://schemas.microsoft.com/office/drawing/2014/main" xmlns="" id="{847969B0-9AAB-4EBF-AF99-17A470D83F03}"/>
+                <a16:creationId xmlns="" xmlns:a16="http://schemas.microsoft.com/office/drawing/2014/main" id="{847969B0-9AAB-4EBF-AF99-17A470D83F03}"/>
               </a:ext>
             </a:extLst>
           </p:cNvPr>
@@ -2752,7 +2753,7 @@
     </p:spTree>
     <p:extLst>
       <p:ext uri="{BB962C8B-B14F-4D97-AF65-F5344CB8AC3E}">
-        <p14:creationId xmlns:p14="http://schemas.microsoft.com/office/powerpoint/2010/main" xmlns="" val="492407304"/>
+        <p14:creationId xmlns="" xmlns:p14="http://schemas.microsoft.com/office/powerpoint/2010/main" val="492407304"/>
       </p:ext>
     </p:extLst>
   </p:cSld>
@@ -3160,7 +3161,7 @@
     </p:spTree>
     <p:extLst>
       <p:ext uri="{BB962C8B-B14F-4D97-AF65-F5344CB8AC3E}">
-        <p14:creationId xmlns:p14="http://schemas.microsoft.com/office/powerpoint/2010/main" xmlns="" val="4062787881"/>
+        <p14:creationId xmlns="" xmlns:p14="http://schemas.microsoft.com/office/powerpoint/2010/main" val="4062787881"/>
       </p:ext>
     </p:extLst>
   </p:cSld>
@@ -3757,6 +3758,89 @@
 </p:sld>
 </file>
 
+<file path=ppt/slides/slide15.xml><?xml version="1.0" encoding="utf-8"?>
+<p:sld xmlns:a="http://schemas.openxmlformats.org/drawingml/2006/main" xmlns:r="http://schemas.openxmlformats.org/officeDocument/2006/relationships" xmlns:p="http://schemas.openxmlformats.org/presentationml/2006/main">
+  <p:cSld>
+    <p:spTree>
+      <p:nvGrpSpPr>
+        <p:cNvPr id="1" name=""/>
+        <p:cNvGrpSpPr/>
+        <p:nvPr/>
+      </p:nvGrpSpPr>
+      <p:grpSpPr>
+        <a:xfrm>
+          <a:off x="0" y="0"/>
+          <a:ext cx="0" cy="0"/>
+          <a:chOff x="0" y="0"/>
+          <a:chExt cx="0" cy="0"/>
+        </a:xfrm>
+      </p:grpSpPr>
+      <p:sp>
+        <p:nvSpPr>
+          <p:cNvPr id="2" name="Title 1"/>
+          <p:cNvSpPr>
+            <a:spLocks noGrp="1"/>
+          </p:cNvSpPr>
+          <p:nvPr>
+            <p:ph type="title"/>
+          </p:nvPr>
+        </p:nvSpPr>
+        <p:spPr/>
+        <p:txBody>
+          <a:bodyPr/>
+          <a:lstStyle/>
+          <a:p>
+            <a:r>
+              <a:rPr lang="en-US" dirty="0" err="1" smtClean="0"/>
+              <a:t>toFixed</a:t>
+            </a:r>
+            <a:endParaRPr lang="en-US" dirty="0"/>
+          </a:p>
+        </p:txBody>
+      </p:sp>
+      <p:pic>
+        <p:nvPicPr>
+          <p:cNvPr id="1026" name="Picture 2"/>
+          <p:cNvPicPr>
+            <a:picLocks noGrp="1" noChangeAspect="1" noChangeArrowheads="1"/>
+          </p:cNvPicPr>
+          <p:nvPr>
+            <p:ph idx="1"/>
+          </p:nvPr>
+        </p:nvPicPr>
+        <p:blipFill>
+          <a:blip r:embed="rId2"/>
+          <a:srcRect/>
+          <a:stretch>
+            <a:fillRect/>
+          </a:stretch>
+        </p:blipFill>
+        <p:spPr bwMode="auto">
+          <a:xfrm>
+            <a:off x="679268" y="1825625"/>
+            <a:ext cx="10384971" cy="4351338"/>
+          </a:xfrm>
+          <a:prstGeom prst="rect">
+            <a:avLst/>
+          </a:prstGeom>
+          <a:noFill/>
+          <a:ln w="9525">
+            <a:noFill/>
+            <a:miter lim="800000"/>
+            <a:headEnd/>
+            <a:tailEnd/>
+          </a:ln>
+          <a:effectLst/>
+        </p:spPr>
+      </p:pic>
+    </p:spTree>
+  </p:cSld>
+  <p:clrMapOvr>
+    <a:masterClrMapping/>
+  </p:clrMapOvr>
+</p:sld>
+</file>
+
 <file path=ppt/slides/slide2.xml><?xml version="1.0" encoding="utf-8"?>
 <p:sld xmlns:a="http://schemas.openxmlformats.org/drawingml/2006/main" xmlns:r="http://schemas.openxmlformats.org/officeDocument/2006/relationships" xmlns:p="http://schemas.openxmlformats.org/presentationml/2006/main">
   <p:cSld>
@@ -3907,11 +3991,7 @@
           <a:p>
             <a:r>
               <a:rPr lang="en-US" dirty="0" err="1" smtClean="0"/>
-              <a:t>p</a:t>
-            </a:r>
-            <a:r>
-              <a:rPr lang="en-US" dirty="0" err="1" smtClean="0"/>
-              <a:t>arseInt</a:t>
+              <a:t>parseInt</a:t>
             </a:r>
             <a:endParaRPr lang="en-US" dirty="0"/>
           </a:p>
@@ -4027,11 +4107,7 @@
           <a:p>
             <a:r>
               <a:rPr lang="en-US" dirty="0" err="1" smtClean="0"/>
-              <a:t>p</a:t>
-            </a:r>
-            <a:r>
-              <a:rPr lang="en-US" dirty="0" err="1" smtClean="0"/>
-              <a:t>arseFloat</a:t>
+              <a:t>parseFloat</a:t>
             </a:r>
             <a:endParaRPr lang="en-US" dirty="0"/>
           </a:p>
@@ -4948,7 +5024,7 @@
   <a:extraClrSchemeLst/>
   <a:extLst>
     <a:ext uri="{05A4C25C-085E-4340-85A3-A5531E510DB2}">
-      <thm15:themeFamily xmlns:thm15="http://schemas.microsoft.com/office/thememl/2012/main" xmlns="" name="Office Theme" id="{62F939B6-93AF-4DB8-9C6B-D6C7DFDC589F}" vid="{4A3C46E8-61CC-4603-A589-7422A47A8E4A}"/>
+      <thm15:themeFamily xmlns="" xmlns:thm15="http://schemas.microsoft.com/office/thememl/2012/main" name="Office Theme" id="{62F939B6-93AF-4DB8-9C6B-D6C7DFDC589F}" vid="{4A3C46E8-61CC-4603-A589-7422A47A8E4A}"/>
     </a:ext>
   </a:extLst>
 </a:theme>
